--- a/psychoco2025_tp.pptx
+++ b/psychoco2025_tp.pptx
@@ -3752,8 +3752,8 @@
         </p:nvSpPr>
         <p:spPr>
           <a:xfrm>
-            <a:off x="4721842" y="3594100"/>
-            <a:ext cx="2748316" cy="677108"/>
+            <a:off x="2860764" y="3594100"/>
+            <a:ext cx="6470490" cy="677108"/>
           </a:xfrm>
           <a:prstGeom prst="rect">
             <a:avLst/>
@@ -3769,15 +3769,25 @@
             <a:pPr algn="ctr"/>
             <a:r>
               <a:rPr lang="en-NL" sz="2000" dirty="0">
+                <a:solidFill>
+                  <a:schemeClr val="bg1">
+                    <a:lumMod val="50000"/>
+                  </a:schemeClr>
+                </a:solidFill>
                 <a:latin typeface="Corbel" panose="020B0503020204020204" pitchFamily="34" charset="0"/>
               </a:rPr>
-              <a:t>Tasos Psychogyiopoulos</a:t>
+              <a:t>Tasos Psychogyiopoulos, Niels Smits, L. Andries van der Ark</a:t>
             </a:r>
           </a:p>
           <a:p>
             <a:pPr algn="ctr"/>
             <a:r>
               <a:rPr lang="en-NL" dirty="0">
+                <a:solidFill>
+                  <a:schemeClr val="bg1">
+                    <a:lumMod val="50000"/>
+                  </a:schemeClr>
+                </a:solidFill>
                 <a:latin typeface="Corbel" panose="020B0503020204020204" pitchFamily="34" charset="0"/>
               </a:rPr>
               <a:t>University of Amsterdam</a:t>
@@ -3902,8 +3912,8 @@
           </a:p>
         </p:txBody>
       </p:sp>
-      <mc:AlternateContent xmlns:mc="http://schemas.openxmlformats.org/markup-compatibility/2006">
-        <mc:Choice xmlns:a14="http://schemas.microsoft.com/office/drawing/2010/main" Requires="a14">
+      <mc:AlternateContent xmlns:mc="http://schemas.openxmlformats.org/markup-compatibility/2006" xmlns:a14="http://schemas.microsoft.com/office/drawing/2010/main">
+        <mc:Choice Requires="a14">
           <p:sp>
             <p:nvSpPr>
               <p:cNvPr id="7" name="TextBox 6">
@@ -4176,7 +4186,7 @@
             </p:txBody>
           </p:sp>
         </mc:Choice>
-        <mc:Fallback>
+        <mc:Fallback xmlns="">
           <p:sp>
             <p:nvSpPr>
               <p:cNvPr id="7" name="TextBox 6">
@@ -5527,8 +5537,8 @@
           </p:sp>
         </mc:Fallback>
       </mc:AlternateContent>
-      <mc:AlternateContent xmlns:mc="http://schemas.openxmlformats.org/markup-compatibility/2006">
-        <mc:Choice xmlns:a14="http://schemas.microsoft.com/office/drawing/2010/main" Requires="a14">
+      <mc:AlternateContent xmlns:mc="http://schemas.openxmlformats.org/markup-compatibility/2006" xmlns:a14="http://schemas.microsoft.com/office/drawing/2010/main">
+        <mc:Choice Requires="a14">
           <p:sp>
             <p:nvSpPr>
               <p:cNvPr id="24" name="TextBox 23">
@@ -5659,7 +5669,7 @@
             </p:txBody>
           </p:sp>
         </mc:Choice>
-        <mc:Fallback>
+        <mc:Fallback xmlns="">
           <p:sp>
             <p:nvSpPr>
               <p:cNvPr id="24" name="TextBox 23">
@@ -5704,8 +5714,8 @@
           </p:sp>
         </mc:Fallback>
       </mc:AlternateContent>
-      <mc:AlternateContent xmlns:mc="http://schemas.openxmlformats.org/markup-compatibility/2006">
-        <mc:Choice xmlns:a14="http://schemas.microsoft.com/office/drawing/2010/main" Requires="a14">
+      <mc:AlternateContent xmlns:mc="http://schemas.openxmlformats.org/markup-compatibility/2006" xmlns:a14="http://schemas.microsoft.com/office/drawing/2010/main">
+        <mc:Choice Requires="a14">
           <p:sp>
             <p:nvSpPr>
               <p:cNvPr id="28" name="TextBox 27">
@@ -5885,7 +5895,7 @@
             </p:txBody>
           </p:sp>
         </mc:Choice>
-        <mc:Fallback>
+        <mc:Fallback xmlns="">
           <p:sp>
             <p:nvSpPr>
               <p:cNvPr id="28" name="TextBox 27">
@@ -5930,8 +5940,8 @@
           </p:sp>
         </mc:Fallback>
       </mc:AlternateContent>
-      <mc:AlternateContent xmlns:mc="http://schemas.openxmlformats.org/markup-compatibility/2006">
-        <mc:Choice xmlns:a14="http://schemas.microsoft.com/office/drawing/2010/main" Requires="a14">
+      <mc:AlternateContent xmlns:mc="http://schemas.openxmlformats.org/markup-compatibility/2006" xmlns:a14="http://schemas.microsoft.com/office/drawing/2010/main">
+        <mc:Choice Requires="a14">
           <p:sp>
             <p:nvSpPr>
               <p:cNvPr id="29" name="TextBox 28">
@@ -6031,19 +6041,7 @@
                                   <a:rPr lang="en-US" b="0" i="1" smtClean="0">
                                     <a:latin typeface="Cambria Math" panose="02040503050406030204" pitchFamily="18" charset="0"/>
                                   </a:rPr>
-                                  <m:t>0</m:t>
-                                </m:r>
-                                <m:r>
-                                  <a:rPr lang="en-US" b="0" i="1" smtClean="0">
-                                    <a:latin typeface="Cambria Math" panose="02040503050406030204" pitchFamily="18" charset="0"/>
-                                  </a:rPr>
-                                  <m:t>0</m:t>
-                                </m:r>
-                                <m:r>
-                                  <a:rPr lang="en-US" b="0" i="1" smtClean="0">
-                                    <a:latin typeface="Cambria Math" panose="02040503050406030204" pitchFamily="18" charset="0"/>
-                                  </a:rPr>
-                                  <m:t>9</m:t>
+                                  <m:t>009</m:t>
                                 </m:r>
                               </m:e>
                             </m:mr>
@@ -6068,13 +6066,7 @@
                                       <a:rPr lang="en-US" b="0" i="1" smtClean="0">
                                         <a:latin typeface="Cambria Math" panose="02040503050406030204" pitchFamily="18" charset="0"/>
                                       </a:rPr>
-                                      <m:t>01</m:t>
-                                    </m:r>
-                                    <m:r>
-                                      <a:rPr lang="en-US" b="0" i="1" smtClean="0">
-                                        <a:latin typeface="Cambria Math" panose="02040503050406030204" pitchFamily="18" charset="0"/>
-                                      </a:rPr>
-                                      <m:t>2</m:t>
+                                      <m:t>012</m:t>
                                     </m:r>
                                   </m:e>
                                   <m:e>
@@ -6124,7 +6116,7 @@
             </p:txBody>
           </p:sp>
         </mc:Choice>
-        <mc:Fallback>
+        <mc:Fallback xmlns="">
           <p:sp>
             <p:nvSpPr>
               <p:cNvPr id="29" name="TextBox 28">
@@ -6639,8 +6631,8 @@
           </p:txBody>
         </p:sp>
       </p:grpSp>
-      <mc:AlternateContent xmlns:mc="http://schemas.openxmlformats.org/markup-compatibility/2006">
-        <mc:Choice xmlns:a14="http://schemas.microsoft.com/office/drawing/2010/main" Requires="a14">
+      <mc:AlternateContent xmlns:mc="http://schemas.openxmlformats.org/markup-compatibility/2006" xmlns:a14="http://schemas.microsoft.com/office/drawing/2010/main">
+        <mc:Choice Requires="a14">
           <p:sp>
             <p:nvSpPr>
               <p:cNvPr id="2" name="TextBox 1">
@@ -6821,13 +6813,7 @@
                                       <a:rPr lang="el-GR" b="0" i="1" smtClean="0">
                                         <a:latin typeface="Cambria Math" panose="02040503050406030204" pitchFamily="18" charset="0"/>
                                       </a:rPr>
-                                      <m:t> </m:t>
-                                    </m:r>
-                                    <m:r>
-                                      <a:rPr lang="el-GR" b="0" i="1" smtClean="0">
-                                        <a:latin typeface="Cambria Math" panose="02040503050406030204" pitchFamily="18" charset="0"/>
-                                      </a:rPr>
-                                      <m:t>⋮</m:t>
+                                      <m:t> ⋮</m:t>
                                     </m:r>
                                   </m:e>
                                   <m:e>
@@ -6874,7 +6860,7 @@
             </p:txBody>
           </p:sp>
         </mc:Choice>
-        <mc:Fallback>
+        <mc:Fallback xmlns="">
           <p:sp>
             <p:nvSpPr>
               <p:cNvPr id="2" name="TextBox 1">
@@ -6965,8 +6951,8 @@
           </a:p>
         </p:txBody>
       </p:sp>
-      <mc:AlternateContent xmlns:mc="http://schemas.openxmlformats.org/markup-compatibility/2006">
-        <mc:Choice xmlns:a14="http://schemas.microsoft.com/office/drawing/2010/main" Requires="a14">
+      <mc:AlternateContent xmlns:mc="http://schemas.openxmlformats.org/markup-compatibility/2006" xmlns:a14="http://schemas.microsoft.com/office/drawing/2010/main">
+        <mc:Choice Requires="a14">
           <p:sp>
             <p:nvSpPr>
               <p:cNvPr id="14" name="TextBox 13">
@@ -7076,7 +7062,7 @@
             </p:txBody>
           </p:sp>
         </mc:Choice>
-        <mc:Fallback>
+        <mc:Fallback xmlns="">
           <p:sp>
             <p:nvSpPr>
               <p:cNvPr id="14" name="TextBox 13">
@@ -7121,8 +7107,8 @@
           </p:sp>
         </mc:Fallback>
       </mc:AlternateContent>
-      <mc:AlternateContent xmlns:mc="http://schemas.openxmlformats.org/markup-compatibility/2006">
-        <mc:Choice xmlns:a14="http://schemas.microsoft.com/office/drawing/2010/main" Requires="a14">
+      <mc:AlternateContent xmlns:mc="http://schemas.openxmlformats.org/markup-compatibility/2006" xmlns:a14="http://schemas.microsoft.com/office/drawing/2010/main">
+        <mc:Choice Requires="a14">
           <p:sp>
             <p:nvSpPr>
               <p:cNvPr id="9" name="TextBox 8">
@@ -7151,6 +7137,7 @@
               </a:bodyPr>
               <a:lstStyle/>
               <a:p>
+                <a:pPr/>
                 <a14:m>
                   <m:oMathPara xmlns:m="http://schemas.openxmlformats.org/officeDocument/2006/math">
                     <m:oMathParaPr>
@@ -7184,7 +7171,7 @@
             </p:txBody>
           </p:sp>
         </mc:Choice>
-        <mc:Fallback>
+        <mc:Fallback xmlns="">
           <p:sp>
             <p:nvSpPr>
               <p:cNvPr id="9" name="TextBox 8">
@@ -7229,8 +7216,8 @@
           </p:sp>
         </mc:Fallback>
       </mc:AlternateContent>
-      <mc:AlternateContent xmlns:mc="http://schemas.openxmlformats.org/markup-compatibility/2006">
-        <mc:Choice xmlns:a14="http://schemas.microsoft.com/office/drawing/2010/main" Requires="a14">
+      <mc:AlternateContent xmlns:mc="http://schemas.openxmlformats.org/markup-compatibility/2006" xmlns:a14="http://schemas.microsoft.com/office/drawing/2010/main">
+        <mc:Choice Requires="a14">
           <p:sp>
             <p:nvSpPr>
               <p:cNvPr id="17" name="TextBox 16">
@@ -7509,7 +7496,7 @@
             </p:txBody>
           </p:sp>
         </mc:Choice>
-        <mc:Fallback>
+        <mc:Fallback xmlns="">
           <p:sp>
             <p:nvSpPr>
               <p:cNvPr id="17" name="TextBox 16">
@@ -7903,8 +7890,8 @@
           </p:txBody>
         </p:sp>
       </p:grpSp>
-      <mc:AlternateContent xmlns:mc="http://schemas.openxmlformats.org/markup-compatibility/2006">
-        <mc:Choice xmlns:a14="http://schemas.microsoft.com/office/drawing/2010/main" Requires="a14">
+      <mc:AlternateContent xmlns:mc="http://schemas.openxmlformats.org/markup-compatibility/2006" xmlns:a14="http://schemas.microsoft.com/office/drawing/2010/main">
+        <mc:Choice Requires="a14">
           <p:sp>
             <p:nvSpPr>
               <p:cNvPr id="2" name="TextBox 1">
@@ -8132,7 +8119,7 @@
             </p:txBody>
           </p:sp>
         </mc:Choice>
-        <mc:Fallback>
+        <mc:Fallback xmlns="">
           <p:sp>
             <p:nvSpPr>
               <p:cNvPr id="2" name="TextBox 1">
@@ -8223,8 +8210,8 @@
           </a:p>
         </p:txBody>
       </p:sp>
-      <mc:AlternateContent xmlns:mc="http://schemas.openxmlformats.org/markup-compatibility/2006">
-        <mc:Choice xmlns:a14="http://schemas.microsoft.com/office/drawing/2010/main" Requires="a14">
+      <mc:AlternateContent xmlns:mc="http://schemas.openxmlformats.org/markup-compatibility/2006" xmlns:a14="http://schemas.microsoft.com/office/drawing/2010/main">
+        <mc:Choice Requires="a14">
           <p:sp>
             <p:nvSpPr>
               <p:cNvPr id="14" name="TextBox 13">
@@ -8342,7 +8329,7 @@
             </p:txBody>
           </p:sp>
         </mc:Choice>
-        <mc:Fallback>
+        <mc:Fallback xmlns="">
           <p:sp>
             <p:nvSpPr>
               <p:cNvPr id="14" name="TextBox 13">
@@ -8416,8 +8403,8 @@
           </a:p>
         </p:txBody>
       </p:sp>
-      <mc:AlternateContent xmlns:mc="http://schemas.openxmlformats.org/markup-compatibility/2006">
-        <mc:Choice xmlns:a14="http://schemas.microsoft.com/office/drawing/2010/main" Requires="a14">
+      <mc:AlternateContent xmlns:mc="http://schemas.openxmlformats.org/markup-compatibility/2006" xmlns:a14="http://schemas.microsoft.com/office/drawing/2010/main">
+        <mc:Choice Requires="a14">
           <p:sp>
             <p:nvSpPr>
               <p:cNvPr id="7" name="TextBox 6">
@@ -8645,7 +8632,7 @@
             </p:txBody>
           </p:sp>
         </mc:Choice>
-        <mc:Fallback>
+        <mc:Fallback xmlns="">
           <p:sp>
             <p:nvSpPr>
               <p:cNvPr id="7" name="TextBox 6">
@@ -8690,8 +8677,8 @@
           </p:sp>
         </mc:Fallback>
       </mc:AlternateContent>
-      <mc:AlternateContent xmlns:mc="http://schemas.openxmlformats.org/markup-compatibility/2006">
-        <mc:Choice xmlns:a14="http://schemas.microsoft.com/office/drawing/2010/main" Requires="a14">
+      <mc:AlternateContent xmlns:mc="http://schemas.openxmlformats.org/markup-compatibility/2006" xmlns:a14="http://schemas.microsoft.com/office/drawing/2010/main">
+        <mc:Choice Requires="a14">
           <p:sp>
             <p:nvSpPr>
               <p:cNvPr id="9" name="TextBox 8">
@@ -8754,7 +8741,7 @@
             </p:txBody>
           </p:sp>
         </mc:Choice>
-        <mc:Fallback>
+        <mc:Fallback xmlns="">
           <p:sp>
             <p:nvSpPr>
               <p:cNvPr id="9" name="TextBox 8">
@@ -8799,8 +8786,8 @@
           </p:sp>
         </mc:Fallback>
       </mc:AlternateContent>
-      <mc:AlternateContent xmlns:mc="http://schemas.openxmlformats.org/markup-compatibility/2006">
-        <mc:Choice xmlns:a14="http://schemas.microsoft.com/office/drawing/2010/main" Requires="a14">
+      <mc:AlternateContent xmlns:mc="http://schemas.openxmlformats.org/markup-compatibility/2006" xmlns:a14="http://schemas.microsoft.com/office/drawing/2010/main">
+        <mc:Choice Requires="a14">
           <p:sp>
             <p:nvSpPr>
               <p:cNvPr id="11" name="TextBox 10">
@@ -8975,7 +8962,7 @@
             </p:txBody>
           </p:sp>
         </mc:Choice>
-        <mc:Fallback>
+        <mc:Fallback xmlns="">
           <p:sp>
             <p:nvSpPr>
               <p:cNvPr id="11" name="TextBox 10">
@@ -9020,8 +9007,8 @@
           </p:sp>
         </mc:Fallback>
       </mc:AlternateContent>
-      <mc:AlternateContent xmlns:mc="http://schemas.openxmlformats.org/markup-compatibility/2006">
-        <mc:Choice xmlns:a14="http://schemas.microsoft.com/office/drawing/2010/main" Requires="a14">
+      <mc:AlternateContent xmlns:mc="http://schemas.openxmlformats.org/markup-compatibility/2006" xmlns:a14="http://schemas.microsoft.com/office/drawing/2010/main">
+        <mc:Choice Requires="a14">
           <p:sp>
             <p:nvSpPr>
               <p:cNvPr id="12" name="TextBox 11">
@@ -9206,7 +9193,7 @@
             </p:txBody>
           </p:sp>
         </mc:Choice>
-        <mc:Fallback>
+        <mc:Fallback xmlns="">
           <p:sp>
             <p:nvSpPr>
               <p:cNvPr id="12" name="TextBox 11">
@@ -9286,8 +9273,8 @@
           </a:p>
         </p:txBody>
       </p:sp>
-      <mc:AlternateContent xmlns:mc="http://schemas.openxmlformats.org/markup-compatibility/2006">
-        <mc:Choice xmlns:a14="http://schemas.microsoft.com/office/drawing/2010/main" Requires="a14">
+      <mc:AlternateContent xmlns:mc="http://schemas.openxmlformats.org/markup-compatibility/2006" xmlns:a14="http://schemas.microsoft.com/office/drawing/2010/main">
+        <mc:Choice Requires="a14">
           <p:sp>
             <p:nvSpPr>
               <p:cNvPr id="17" name="TextBox 16">
@@ -9566,7 +9553,7 @@
             </p:txBody>
           </p:sp>
         </mc:Choice>
-        <mc:Fallback>
+        <mc:Fallback xmlns="">
           <p:sp>
             <p:nvSpPr>
               <p:cNvPr id="17" name="TextBox 16">
@@ -10116,13 +10103,13 @@
   <p:clrMapOvr>
     <a:masterClrMapping/>
   </p:clrMapOvr>
-  <mc:AlternateContent xmlns:mc="http://schemas.openxmlformats.org/markup-compatibility/2006">
-    <mc:Choice xmlns:p159="http://schemas.microsoft.com/office/powerpoint/2015/09/main" Requires="p159">
+  <mc:AlternateContent xmlns:mc="http://schemas.openxmlformats.org/markup-compatibility/2006" xmlns:p159="http://schemas.microsoft.com/office/powerpoint/2015/09/main">
+    <mc:Choice Requires="p159">
       <p:transition xmlns:p14="http://schemas.microsoft.com/office/powerpoint/2010/main" spd="slow" p14:dur="2000">
         <p159:morph option="byObject"/>
       </p:transition>
     </mc:Choice>
-    <mc:Fallback>
+    <mc:Fallback xmlns="">
       <p:transition spd="slow">
         <p:fade/>
       </p:transition>
@@ -12434,13 +12421,13 @@
   <p:clrMapOvr>
     <a:masterClrMapping/>
   </p:clrMapOvr>
-  <mc:AlternateContent xmlns:mc="http://schemas.openxmlformats.org/markup-compatibility/2006">
-    <mc:Choice xmlns:p159="http://schemas.microsoft.com/office/powerpoint/2015/09/main" Requires="p159">
+  <mc:AlternateContent xmlns:mc="http://schemas.openxmlformats.org/markup-compatibility/2006" xmlns:p159="http://schemas.microsoft.com/office/powerpoint/2015/09/main">
+    <mc:Choice Requires="p159">
       <p:transition xmlns:p14="http://schemas.microsoft.com/office/powerpoint/2010/main" spd="slow" p14:dur="2000">
         <p159:morph option="byObject"/>
       </p:transition>
     </mc:Choice>
-    <mc:Fallback>
+    <mc:Fallback xmlns="">
       <p:transition spd="slow">
         <p:fade/>
       </p:transition>
@@ -12717,8 +12704,8 @@
           </a:p>
         </p:txBody>
       </p:sp>
-      <mc:AlternateContent xmlns:mc="http://schemas.openxmlformats.org/markup-compatibility/2006">
-        <mc:Choice xmlns:a14="http://schemas.microsoft.com/office/drawing/2010/main" Requires="a14">
+      <mc:AlternateContent xmlns:mc="http://schemas.openxmlformats.org/markup-compatibility/2006" xmlns:a14="http://schemas.microsoft.com/office/drawing/2010/main">
+        <mc:Choice Requires="a14">
           <p:sp>
             <p:nvSpPr>
               <p:cNvPr id="3" name="Content Placeholder 2">
@@ -13382,7 +13369,7 @@
             </p:txBody>
           </p:sp>
         </mc:Choice>
-        <mc:Fallback>
+        <mc:Fallback xmlns="">
           <p:sp>
             <p:nvSpPr>
               <p:cNvPr id="3" name="Content Placeholder 2">
@@ -25741,8 +25728,8 @@
           </a:p>
         </p:txBody>
       </p:sp>
-      <mc:AlternateContent xmlns:mc="http://schemas.openxmlformats.org/markup-compatibility/2006">
-        <mc:Choice xmlns:a14="http://schemas.microsoft.com/office/drawing/2010/main" Requires="a14">
+      <mc:AlternateContent xmlns:mc="http://schemas.openxmlformats.org/markup-compatibility/2006" xmlns:a14="http://schemas.microsoft.com/office/drawing/2010/main">
+        <mc:Choice Requires="a14">
           <p:sp>
             <p:nvSpPr>
               <p:cNvPr id="3" name="Content Placeholder 2">
@@ -25983,7 +25970,7 @@
             </p:txBody>
           </p:sp>
         </mc:Choice>
-        <mc:Fallback>
+        <mc:Fallback xmlns="">
           <p:sp>
             <p:nvSpPr>
               <p:cNvPr id="3" name="Content Placeholder 2">
@@ -26135,8 +26122,8 @@
           </a:p>
         </p:txBody>
       </p:sp>
-      <mc:AlternateContent xmlns:mc="http://schemas.openxmlformats.org/markup-compatibility/2006">
-        <mc:Choice xmlns:a14="http://schemas.microsoft.com/office/drawing/2010/main" Requires="a14">
+      <mc:AlternateContent xmlns:mc="http://schemas.openxmlformats.org/markup-compatibility/2006" xmlns:a14="http://schemas.microsoft.com/office/drawing/2010/main">
+        <mc:Choice Requires="a14">
           <p:sp>
             <p:nvSpPr>
               <p:cNvPr id="3" name="Content Placeholder 2">
@@ -26299,7 +26286,7 @@
             </p:txBody>
           </p:sp>
         </mc:Choice>
-        <mc:Fallback>
+        <mc:Fallback xmlns="">
           <p:sp>
             <p:nvSpPr>
               <p:cNvPr id="3" name="Content Placeholder 2">
